--- a/static/GeneratedPresentations/molecula.pptx
+++ b/static/GeneratedPresentations/molecula.pptx
@@ -11,6 +11,8 @@
     <p:sldId id="259" r:id="rId9"/>
     <p:sldId id="260" r:id="rId10"/>
     <p:sldId id="261" r:id="rId11"/>
+    <p:sldId id="262" r:id="rId12"/>
+    <p:sldId id="263" r:id="rId13"/>
   </p:sldIdLst>
   <p:sldSz cx="12192000" cy="6858000"/>
   <p:notesSz cx="6858000" cy="9144000"/>
@@ -6777,7 +6779,7 @@
           <a:lstStyle/>
           <a:p>
             <a:r>
-              <a:t>Understanding Molecules</a:t>
+              <a:t>MOLECULES: BUILDING BLOCKS OF LIFE</a:t>
             </a:r>
           </a:p>
         </p:txBody>
@@ -6859,7 +6861,7 @@
           </a:p>
           <a:p>
             <a:r>
-              <a:t>2. Structure of Molecules</a:t>
+              <a:t>2. Types of Molecules</a:t>
             </a:r>
           </a:p>
           <a:p>
@@ -6869,7 +6871,17 @@
           </a:p>
           <a:p>
             <a:r>
-              <a:t>4. Applications of Molecules</a:t>
+              <a:t>4. Molecular Structures</a:t>
+            </a:r>
+          </a:p>
+          <a:p>
+            <a:r>
+              <a:t>5. Chemical Bonds in Molecules</a:t>
+            </a:r>
+          </a:p>
+          <a:p>
+            <a:r>
+              <a:t>6. Summary</a:t>
             </a:r>
           </a:p>
         </p:txBody>
@@ -6941,7 +6953,7 @@
           <a:lstStyle/>
           <a:p>
             <a:r>
-              <a:t>Molecules are the building blocks of matter, consisting of atoms held together by chemical bonds. They can be simple like water or complex like DNA.</a:t>
+              <a:t>Molecules are the fundamental units of chemical compounds. They are made up of atoms bonded together, forming the basis of all matter in the universe.</a:t>
             </a:r>
           </a:p>
         </p:txBody>
@@ -6980,7 +6992,7 @@
           <a:lstStyle/>
           <a:p>
             <a:r>
-              <a:t>Structure of Molecules</a:t>
+              <a:t>Types of Molecules</a:t>
             </a:r>
           </a:p>
         </p:txBody>
@@ -7001,26 +7013,9 @@
           <a:lstStyle/>
           <a:p>
             <a:r>
-              <a:t>Molecules have unique structures based on the arrangement of atoms. This structure determines their properties and interactions with other molecules.</a:t>
-            </a:r>
-          </a:p>
-        </p:txBody>
-      </p:sp>
-      <p:sp>
-        <p:nvSpPr>
-          <p:cNvPr id="4" name="Text Placeholder 3"/>
-          <p:cNvSpPr>
-            <a:spLocks noGrp="1"/>
-          </p:cNvSpPr>
-          <p:nvPr>
-            <p:ph type="body" idx="2" sz="half"/>
-          </p:nvPr>
-        </p:nvSpPr>
-        <p:spPr/>
-        <p:txBody>
-          <a:bodyPr/>
-          <a:lstStyle/>
-          <a:p/>
+              <a:t>There are two main types of molecules - organic molecules, which contain carbon and hydrogen, and inorganic molecules, which do not contain carbon-hydrogen bonds.</a:t>
+            </a:r>
+          </a:p>
         </p:txBody>
       </p:sp>
     </p:spTree>
@@ -7069,7 +7064,7 @@
           <a:lstStyle/>
           <a:p>
             <a:r>
-              <a:t>Importance and Applications of Molecules</a:t>
+              <a:t>Importance of Molecules</a:t>
             </a:r>
           </a:p>
         </p:txBody>
@@ -7090,7 +7085,7 @@
           <a:lstStyle/>
           <a:p>
             <a:r>
-              <a:t>Molecules play a crucial role in various biological processes, industries, and technologies. Understanding molecules is essential for advancements in medicine, materials science, and more.</a:t>
+              <a:t>Molecules play a crucial role in all biological processes, including metabolism, growth, and energy production. They also serve as the building blocks of proteins, DNA, and other essential biomolecules.</a:t>
             </a:r>
           </a:p>
         </p:txBody>
@@ -7129,7 +7124,7 @@
           <a:lstStyle/>
           <a:p>
             <a:r>
-              <a:t>Importance and Applications of Molecules</a:t>
+              <a:t>Molecular Structures</a:t>
             </a:r>
           </a:p>
         </p:txBody>
@@ -7150,7 +7145,144 @@
           <a:lstStyle/>
           <a:p>
             <a:r>
-              <a:t>Molecules are fundamental in understanding the world around us, influencing everything from our bodies to the products we use. Studying molecules opens doors to innovations and discoveries.</a:t>
+              <a:t>Molecules can have various structures, including linear, cyclic, and branched forms. These structures determine the properties and functions of the molecules.</a:t>
+            </a:r>
+          </a:p>
+        </p:txBody>
+      </p:sp>
+    </p:spTree>
+  </p:cSld>
+  <p:clrMapOvr>
+    <a:masterClrMapping/>
+  </p:clrMapOvr>
+</p:sld>
+</file>
+
+<file path=ppt/slides/slide7.xml><?xml version="1.0" encoding="utf-8"?>
+<p:sld xmlns:a="http://schemas.openxmlformats.org/drawingml/2006/main" xmlns:p="http://schemas.openxmlformats.org/presentationml/2006/main" xmlns:r="http://schemas.openxmlformats.org/officeDocument/2006/relationships">
+  <p:cSld>
+    <p:spTree>
+      <p:nvGrpSpPr>
+        <p:cNvPr id="1" name=""/>
+        <p:cNvGrpSpPr/>
+        <p:nvPr/>
+      </p:nvGrpSpPr>
+      <p:grpSpPr/>
+      <p:sp>
+        <p:nvSpPr>
+          <p:cNvPr id="2" name="Title 1"/>
+          <p:cNvSpPr>
+            <a:spLocks noGrp="1"/>
+          </p:cNvSpPr>
+          <p:nvPr>
+            <p:ph type="title"/>
+          </p:nvPr>
+        </p:nvSpPr>
+        <p:spPr/>
+        <p:txBody>
+          <a:bodyPr/>
+          <a:lstStyle/>
+          <a:p>
+            <a:r>
+              <a:t>Chemical Bonds in Molecules</a:t>
+            </a:r>
+          </a:p>
+        </p:txBody>
+      </p:sp>
+      <p:sp>
+        <p:nvSpPr>
+          <p:cNvPr id="3" name="Content Placeholder 2"/>
+          <p:cNvSpPr>
+            <a:spLocks noGrp="1"/>
+          </p:cNvSpPr>
+          <p:nvPr>
+            <p:ph idx="1"/>
+          </p:nvPr>
+        </p:nvSpPr>
+        <p:spPr/>
+        <p:txBody>
+          <a:bodyPr/>
+          <a:lstStyle/>
+          <a:p>
+            <a:r>
+              <a:t>The atoms in a molecule are held together by chemical bonds, such as covalent bonds, ionic bonds, and hydrogen bonds. These bonds determine the stability and reactivity of the molecules.</a:t>
+            </a:r>
+          </a:p>
+        </p:txBody>
+      </p:sp>
+      <p:sp>
+        <p:nvSpPr>
+          <p:cNvPr id="4" name="Text Placeholder 3"/>
+          <p:cNvSpPr>
+            <a:spLocks noGrp="1"/>
+          </p:cNvSpPr>
+          <p:nvPr>
+            <p:ph type="body" idx="2" sz="half"/>
+          </p:nvPr>
+        </p:nvSpPr>
+        <p:spPr/>
+        <p:txBody>
+          <a:bodyPr/>
+          <a:lstStyle/>
+          <a:p/>
+        </p:txBody>
+      </p:sp>
+    </p:spTree>
+  </p:cSld>
+  <p:clrMapOvr>
+    <a:masterClrMapping/>
+  </p:clrMapOvr>
+</p:sld>
+</file>
+
+<file path=ppt/slides/slide8.xml><?xml version="1.0" encoding="utf-8"?>
+<p:sld xmlns:a="http://schemas.openxmlformats.org/drawingml/2006/main" xmlns:p="http://schemas.openxmlformats.org/presentationml/2006/main" xmlns:r="http://schemas.openxmlformats.org/officeDocument/2006/relationships">
+  <p:cSld>
+    <p:spTree>
+      <p:nvGrpSpPr>
+        <p:cNvPr id="1" name=""/>
+        <p:cNvGrpSpPr/>
+        <p:nvPr/>
+      </p:nvGrpSpPr>
+      <p:grpSpPr/>
+      <p:sp>
+        <p:nvSpPr>
+          <p:cNvPr id="2" name="Title 1"/>
+          <p:cNvSpPr>
+            <a:spLocks noGrp="1"/>
+          </p:cNvSpPr>
+          <p:nvPr>
+            <p:ph type="title"/>
+          </p:nvPr>
+        </p:nvSpPr>
+        <p:spPr/>
+        <p:txBody>
+          <a:bodyPr/>
+          <a:lstStyle/>
+          <a:p>
+            <a:r>
+              <a:t>Chemical Bonds in Molecules</a:t>
+            </a:r>
+          </a:p>
+        </p:txBody>
+      </p:sp>
+      <p:sp>
+        <p:nvSpPr>
+          <p:cNvPr id="3" name="Content Placeholder 2"/>
+          <p:cNvSpPr>
+            <a:spLocks noGrp="1"/>
+          </p:cNvSpPr>
+          <p:nvPr>
+            <p:ph idx="1"/>
+          </p:nvPr>
+        </p:nvSpPr>
+        <p:spPr/>
+        <p:txBody>
+          <a:bodyPr/>
+          <a:lstStyle/>
+          <a:p>
+            <a:r>
+              <a:t>Molecules are the basic units of matter, essential for life and various chemical processes. Understanding the types, structures, and bonds of molecules is crucial for advancing our knowledge in chemistry and biology.</a:t>
             </a:r>
           </a:p>
         </p:txBody>
